--- a/Proto Persona/Proto Persona.pptx
+++ b/Proto Persona/Proto Persona.pptx
@@ -272,7 +272,7 @@
           <a:p>
             <a:fld id="{44568245-3584-4099-BC83-EBD7C792D003}" type="datetimeFigureOut">
               <a:rPr lang="pt-BR" smtClean="0"/>
-              <a:t>11/03/2020</a:t>
+              <a:t>12/03/2020</a:t>
             </a:fld>
             <a:endParaRPr lang="pt-BR"/>
           </a:p>
@@ -470,7 +470,7 @@
           <a:p>
             <a:fld id="{44568245-3584-4099-BC83-EBD7C792D003}" type="datetimeFigureOut">
               <a:rPr lang="pt-BR" smtClean="0"/>
-              <a:t>11/03/2020</a:t>
+              <a:t>12/03/2020</a:t>
             </a:fld>
             <a:endParaRPr lang="pt-BR"/>
           </a:p>
@@ -678,7 +678,7 @@
           <a:p>
             <a:fld id="{44568245-3584-4099-BC83-EBD7C792D003}" type="datetimeFigureOut">
               <a:rPr lang="pt-BR" smtClean="0"/>
-              <a:t>11/03/2020</a:t>
+              <a:t>12/03/2020</a:t>
             </a:fld>
             <a:endParaRPr lang="pt-BR"/>
           </a:p>
@@ -876,7 +876,7 @@
           <a:p>
             <a:fld id="{44568245-3584-4099-BC83-EBD7C792D003}" type="datetimeFigureOut">
               <a:rPr lang="pt-BR" smtClean="0"/>
-              <a:t>11/03/2020</a:t>
+              <a:t>12/03/2020</a:t>
             </a:fld>
             <a:endParaRPr lang="pt-BR"/>
           </a:p>
@@ -1151,7 +1151,7 @@
           <a:p>
             <a:fld id="{44568245-3584-4099-BC83-EBD7C792D003}" type="datetimeFigureOut">
               <a:rPr lang="pt-BR" smtClean="0"/>
-              <a:t>11/03/2020</a:t>
+              <a:t>12/03/2020</a:t>
             </a:fld>
             <a:endParaRPr lang="pt-BR"/>
           </a:p>
@@ -1416,7 +1416,7 @@
           <a:p>
             <a:fld id="{44568245-3584-4099-BC83-EBD7C792D003}" type="datetimeFigureOut">
               <a:rPr lang="pt-BR" smtClean="0"/>
-              <a:t>11/03/2020</a:t>
+              <a:t>12/03/2020</a:t>
             </a:fld>
             <a:endParaRPr lang="pt-BR"/>
           </a:p>
@@ -1828,7 +1828,7 @@
           <a:p>
             <a:fld id="{44568245-3584-4099-BC83-EBD7C792D003}" type="datetimeFigureOut">
               <a:rPr lang="pt-BR" smtClean="0"/>
-              <a:t>11/03/2020</a:t>
+              <a:t>12/03/2020</a:t>
             </a:fld>
             <a:endParaRPr lang="pt-BR"/>
           </a:p>
@@ -1969,7 +1969,7 @@
           <a:p>
             <a:fld id="{44568245-3584-4099-BC83-EBD7C792D003}" type="datetimeFigureOut">
               <a:rPr lang="pt-BR" smtClean="0"/>
-              <a:t>11/03/2020</a:t>
+              <a:t>12/03/2020</a:t>
             </a:fld>
             <a:endParaRPr lang="pt-BR"/>
           </a:p>
@@ -2082,7 +2082,7 @@
           <a:p>
             <a:fld id="{44568245-3584-4099-BC83-EBD7C792D003}" type="datetimeFigureOut">
               <a:rPr lang="pt-BR" smtClean="0"/>
-              <a:t>11/03/2020</a:t>
+              <a:t>12/03/2020</a:t>
             </a:fld>
             <a:endParaRPr lang="pt-BR"/>
           </a:p>
@@ -2393,7 +2393,7 @@
           <a:p>
             <a:fld id="{44568245-3584-4099-BC83-EBD7C792D003}" type="datetimeFigureOut">
               <a:rPr lang="pt-BR" smtClean="0"/>
-              <a:t>11/03/2020</a:t>
+              <a:t>12/03/2020</a:t>
             </a:fld>
             <a:endParaRPr lang="pt-BR"/>
           </a:p>
@@ -2681,7 +2681,7 @@
           <a:p>
             <a:fld id="{44568245-3584-4099-BC83-EBD7C792D003}" type="datetimeFigureOut">
               <a:rPr lang="pt-BR" smtClean="0"/>
-              <a:t>11/03/2020</a:t>
+              <a:t>12/03/2020</a:t>
             </a:fld>
             <a:endParaRPr lang="pt-BR"/>
           </a:p>
@@ -2922,7 +2922,7 @@
           <a:p>
             <a:fld id="{44568245-3584-4099-BC83-EBD7C792D003}" type="datetimeFigureOut">
               <a:rPr lang="pt-BR" smtClean="0"/>
-              <a:t>11/03/2020</a:t>
+              <a:t>12/03/2020</a:t>
             </a:fld>
             <a:endParaRPr lang="pt-BR"/>
           </a:p>
@@ -3485,7 +3485,7 @@
         </p:nvCxnSpPr>
         <p:spPr>
           <a:xfrm flipH="1">
-            <a:off x="0" y="2820063"/>
+            <a:off x="-23860" y="3438157"/>
             <a:ext cx="7498080" cy="0"/>
           </a:xfrm>
           <a:prstGeom prst="line">
@@ -3526,8 +3526,8 @@
         </p:nvSpPr>
         <p:spPr>
           <a:xfrm>
-            <a:off x="318052" y="3140765"/>
-            <a:ext cx="6814259" cy="2308324"/>
+            <a:off x="318050" y="4053402"/>
+            <a:ext cx="6814259" cy="2462213"/>
           </a:xfrm>
           <a:prstGeom prst="rect">
             <a:avLst/>
@@ -3541,7 +3541,7 @@
           <a:lstStyle/>
           <a:p>
             <a:r>
-              <a:rPr lang="pt-BR" dirty="0">
+              <a:rPr lang="pt-BR" sz="2000" dirty="0">
                 <a:solidFill>
                   <a:schemeClr val="accent2">
                     <a:lumMod val="75000"/>
@@ -3552,7 +3552,7 @@
             </a:r>
           </a:p>
           <a:p>
-            <a:endParaRPr lang="pt-BR" dirty="0"/>
+            <a:endParaRPr lang="pt-BR" sz="2000" dirty="0"/>
           </a:p>
           <a:p>
             <a:pPr marL="285750" indent="-285750">
@@ -3560,8 +3560,29 @@
               <a:buChar char="•"/>
             </a:pPr>
             <a:r>
+              <a:rPr lang="pt-BR" sz="2000" dirty="0"/>
+              <a:t>Não consegue carregar o bilhete no totem.</a:t>
+            </a:r>
+          </a:p>
+          <a:p>
+            <a:pPr marL="285750" indent="-285750">
+              <a:buFont typeface="Arial" panose="020B0604020202020204" pitchFamily="34" charset="0"/>
+              <a:buChar char="•"/>
+            </a:pPr>
+            <a:endParaRPr lang="pt-BR" sz="2000" dirty="0"/>
+          </a:p>
+          <a:p>
+            <a:pPr marL="285750" indent="-285750">
+              <a:buFont typeface="Arial" panose="020B0604020202020204" pitchFamily="34" charset="0"/>
+              <a:buChar char="•"/>
+            </a:pPr>
+            <a:r>
+              <a:rPr lang="pt-BR" sz="2000" dirty="0"/>
+              <a:t>Maquinas de pagar no Débito não faz leitura do cartão</a:t>
+            </a:r>
+            <a:r>
               <a:rPr lang="pt-BR" dirty="0"/>
-              <a:t>Não consegue carregar o bilhete no totem.</a:t>
+              <a:t>.</a:t>
             </a:r>
           </a:p>
           <a:p>
@@ -3576,27 +3597,10 @@
               <a:buFont typeface="Arial" panose="020B0604020202020204" pitchFamily="34" charset="0"/>
               <a:buChar char="•"/>
             </a:pPr>
-            <a:r>
-              <a:rPr lang="pt-BR" dirty="0"/>
-              <a:t>Maquinas de pagar no Débito não faz leitura do cartão.</a:t>
-            </a:r>
-          </a:p>
-          <a:p>
-            <a:pPr marL="285750" indent="-285750">
-              <a:buFont typeface="Arial" panose="020B0604020202020204" pitchFamily="34" charset="0"/>
-              <a:buChar char="•"/>
-            </a:pPr>
-            <a:endParaRPr lang="pt-BR" dirty="0"/>
-          </a:p>
-          <a:p>
-            <a:pPr marL="285750" indent="-285750">
-              <a:buFont typeface="Arial" panose="020B0604020202020204" pitchFamily="34" charset="0"/>
-              <a:buChar char="•"/>
-            </a:pPr>
-            <a:endParaRPr lang="pt-BR" dirty="0"/>
-          </a:p>
-          <a:p>
-            <a:endParaRPr lang="pt-BR" dirty="0"/>
+            <a:endParaRPr lang="pt-BR" u="sng" dirty="0"/>
+          </a:p>
+          <a:p>
+            <a:endParaRPr lang="pt-BR" u="sng" dirty="0"/>
           </a:p>
         </p:txBody>
       </p:sp>
@@ -3614,8 +3618,8 @@
         </p:nvSpPr>
         <p:spPr>
           <a:xfrm>
-            <a:off x="318052" y="180000"/>
-            <a:ext cx="6814236" cy="2862322"/>
+            <a:off x="106025" y="0"/>
+            <a:ext cx="6814236" cy="3139321"/>
           </a:xfrm>
           <a:prstGeom prst="rect">
             <a:avLst/>
@@ -3629,7 +3633,7 @@
           <a:lstStyle/>
           <a:p>
             <a:r>
-              <a:rPr lang="pt-BR" dirty="0">
+              <a:rPr lang="pt-BR" sz="2000" dirty="0">
                 <a:solidFill>
                   <a:schemeClr val="accent2">
                     <a:lumMod val="75000"/>
@@ -3644,7 +3648,7 @@
               <a:buFont typeface="Arial" panose="020B0604020202020204" pitchFamily="34" charset="0"/>
               <a:buChar char="•"/>
             </a:pPr>
-            <a:endParaRPr lang="pt-BR" dirty="0"/>
+            <a:endParaRPr lang="pt-BR" sz="2000" dirty="0"/>
           </a:p>
           <a:p>
             <a:pPr marL="285750" indent="-285750">
@@ -3652,7 +3656,7 @@
               <a:buChar char="•"/>
             </a:pPr>
             <a:r>
-              <a:rPr lang="pt-BR" dirty="0"/>
+              <a:rPr lang="pt-BR" sz="2000" dirty="0"/>
               <a:t>37 Anos</a:t>
             </a:r>
           </a:p>
@@ -3661,7 +3665,7 @@
               <a:buFont typeface="Arial" panose="020B0604020202020204" pitchFamily="34" charset="0"/>
               <a:buChar char="•"/>
             </a:pPr>
-            <a:endParaRPr lang="pt-BR" dirty="0"/>
+            <a:endParaRPr lang="pt-BR" sz="2000" dirty="0"/>
           </a:p>
           <a:p>
             <a:pPr marL="285750" indent="-285750">
@@ -3669,12 +3673,12 @@
               <a:buChar char="•"/>
             </a:pPr>
             <a:r>
-              <a:rPr lang="pt-BR" dirty="0"/>
+              <a:rPr lang="pt-BR" sz="2000" dirty="0"/>
               <a:t>Mora em São Paulo</a:t>
             </a:r>
           </a:p>
           <a:p>
-            <a:endParaRPr lang="pt-BR" dirty="0"/>
+            <a:endParaRPr lang="pt-BR" sz="2000" dirty="0"/>
           </a:p>
           <a:p>
             <a:pPr marL="285750" indent="-285750">
@@ -3682,7 +3686,7 @@
               <a:buChar char="•"/>
             </a:pPr>
             <a:r>
-              <a:rPr lang="pt-BR" dirty="0"/>
+              <a:rPr lang="pt-BR" sz="2000" dirty="0"/>
               <a:t>Solteiro</a:t>
             </a:r>
           </a:p>
@@ -3691,7 +3695,7 @@
               <a:buFont typeface="Arial" panose="020B0604020202020204" pitchFamily="34" charset="0"/>
               <a:buChar char="•"/>
             </a:pPr>
-            <a:endParaRPr lang="pt-BR" dirty="0"/>
+            <a:endParaRPr lang="pt-BR" sz="2000" dirty="0"/>
           </a:p>
           <a:p>
             <a:pPr marL="285750" indent="-285750">
@@ -3699,7 +3703,7 @@
               <a:buChar char="•"/>
             </a:pPr>
             <a:r>
-              <a:rPr lang="pt-BR" dirty="0"/>
+              <a:rPr lang="pt-BR" sz="2000" dirty="0"/>
               <a:t>Usa Frequentemente o Metrô</a:t>
             </a:r>
           </a:p>
@@ -3786,12 +3790,14 @@
               </a:ext>
             </a:extLst>
           </p:cNvPr>
-          <p:cNvCxnSpPr/>
+          <p:cNvCxnSpPr>
+            <a:cxnSpLocks/>
+          </p:cNvCxnSpPr>
           <p:nvPr/>
         </p:nvCxnSpPr>
         <p:spPr>
           <a:xfrm flipH="1">
-            <a:off x="0" y="2820063"/>
+            <a:off x="0" y="3354118"/>
             <a:ext cx="7498080" cy="0"/>
           </a:xfrm>
           <a:prstGeom prst="line">
@@ -3905,7 +3911,7 @@
                 <a:latin typeface="Aparajita" panose="02020603050405020304" pitchFamily="18" charset="0"/>
                 <a:cs typeface="Aparajita" panose="02020603050405020304" pitchFamily="18" charset="0"/>
               </a:rPr>
-              <a:t>Gerente de Negócios</a:t>
+              <a:t>Gerente de Operações</a:t>
             </a:r>
           </a:p>
         </p:txBody>
@@ -3924,8 +3930,8 @@
         </p:nvSpPr>
         <p:spPr>
           <a:xfrm>
-            <a:off x="318052" y="180000"/>
-            <a:ext cx="6814236" cy="2585323"/>
+            <a:off x="132520" y="30132"/>
+            <a:ext cx="7180013" cy="2862322"/>
           </a:xfrm>
           <a:prstGeom prst="rect">
             <a:avLst/>
@@ -3939,7 +3945,7 @@
           <a:lstStyle/>
           <a:p>
             <a:r>
-              <a:rPr lang="pt-BR" dirty="0">
+              <a:rPr lang="pt-BR" sz="2000" dirty="0">
                 <a:solidFill>
                   <a:schemeClr val="accent2">
                     <a:lumMod val="75000"/>
@@ -3954,7 +3960,7 @@
               <a:buFont typeface="Arial" panose="020B0604020202020204" pitchFamily="34" charset="0"/>
               <a:buChar char="•"/>
             </a:pPr>
-            <a:endParaRPr lang="pt-BR" dirty="0"/>
+            <a:endParaRPr lang="pt-BR" sz="2000" dirty="0"/>
           </a:p>
           <a:p>
             <a:pPr marL="285750" indent="-285750">
@@ -3962,7 +3968,7 @@
               <a:buChar char="•"/>
             </a:pPr>
             <a:r>
-              <a:rPr lang="pt-BR" dirty="0"/>
+              <a:rPr lang="pt-BR" sz="2000" dirty="0"/>
               <a:t>34 Anos</a:t>
             </a:r>
           </a:p>
@@ -3971,7 +3977,7 @@
               <a:buFont typeface="Arial" panose="020B0604020202020204" pitchFamily="34" charset="0"/>
               <a:buChar char="•"/>
             </a:pPr>
-            <a:endParaRPr lang="pt-BR" dirty="0"/>
+            <a:endParaRPr lang="pt-BR" sz="2000" dirty="0"/>
           </a:p>
           <a:p>
             <a:pPr marL="285750" indent="-285750">
@@ -3979,12 +3985,12 @@
               <a:buChar char="•"/>
             </a:pPr>
             <a:r>
-              <a:rPr lang="pt-BR" dirty="0"/>
+              <a:rPr lang="pt-BR" sz="2000" dirty="0"/>
               <a:t>Mora no Pinheiros</a:t>
             </a:r>
           </a:p>
           <a:p>
-            <a:endParaRPr lang="pt-BR" dirty="0"/>
+            <a:endParaRPr lang="pt-BR" sz="2000" dirty="0"/>
           </a:p>
           <a:p>
             <a:pPr marL="285750" indent="-285750">
@@ -3992,7 +3998,7 @@
               <a:buChar char="•"/>
             </a:pPr>
             <a:r>
-              <a:rPr lang="pt-BR" dirty="0"/>
+              <a:rPr lang="pt-BR" sz="2000" dirty="0"/>
               <a:t>Casada</a:t>
             </a:r>
           </a:p>
@@ -4001,7 +4007,7 @@
               <a:buFont typeface="Arial" panose="020B0604020202020204" pitchFamily="34" charset="0"/>
               <a:buChar char="•"/>
             </a:pPr>
-            <a:endParaRPr lang="pt-BR" dirty="0"/>
+            <a:endParaRPr lang="pt-BR" sz="2000" dirty="0"/>
           </a:p>
           <a:p>
             <a:pPr marL="285750" indent="-285750">
@@ -4009,7 +4015,7 @@
               <a:buChar char="•"/>
             </a:pPr>
             <a:r>
-              <a:rPr lang="pt-BR" dirty="0"/>
+              <a:rPr lang="pt-BR" sz="2000" dirty="0"/>
               <a:t>Graduada em Engenharia da Computação (DEV-OPS)</a:t>
             </a:r>
           </a:p>
@@ -4029,8 +4035,8 @@
         </p:nvSpPr>
         <p:spPr>
           <a:xfrm>
-            <a:off x="318052" y="3140765"/>
-            <a:ext cx="6814259" cy="2862322"/>
+            <a:off x="-1" y="3354118"/>
+            <a:ext cx="7097851" cy="3323987"/>
           </a:xfrm>
           <a:prstGeom prst="rect">
             <a:avLst/>
@@ -4044,7 +4050,7 @@
           <a:lstStyle/>
           <a:p>
             <a:r>
-              <a:rPr lang="pt-BR" dirty="0">
+              <a:rPr lang="pt-BR" sz="2000" dirty="0">
                 <a:solidFill>
                   <a:schemeClr val="accent2">
                     <a:lumMod val="75000"/>
@@ -4055,7 +4061,7 @@
             </a:r>
           </a:p>
           <a:p>
-            <a:endParaRPr lang="pt-BR" dirty="0"/>
+            <a:endParaRPr lang="pt-BR" sz="2000" dirty="0"/>
           </a:p>
           <a:p>
             <a:pPr marL="742950" lvl="1" indent="-285750">
@@ -4063,9 +4069,13 @@
               <a:buChar char="•"/>
             </a:pPr>
             <a:r>
-              <a:rPr lang="pt-BR" dirty="0"/>
+              <a:rPr lang="pt-BR" sz="2000" dirty="0"/>
               <a:t>Buscando uma forma de aumentar a eficiência e produtividade da empresa</a:t>
             </a:r>
+          </a:p>
+          <a:p>
+            <a:pPr lvl="1"/>
+            <a:endParaRPr lang="pt-BR" sz="2000" dirty="0"/>
           </a:p>
           <a:p>
             <a:pPr marL="742950" lvl="1" indent="-285750">
@@ -4073,45 +4083,40 @@
               <a:buChar char="•"/>
             </a:pPr>
             <a:r>
-              <a:rPr lang="pt-BR" dirty="0"/>
-              <a:t>Precisa de mais previsibilidades </a:t>
-            </a:r>
-            <a:r>
-              <a:rPr lang="pt-BR"/>
-              <a:t>com gastos.</a:t>
-            </a:r>
-            <a:endParaRPr lang="pt-BR" dirty="0"/>
+              <a:rPr lang="pt-BR" sz="2000" dirty="0"/>
+              <a:t>Precisa de mais previsibilidades com gastos.</a:t>
+            </a:r>
           </a:p>
           <a:p>
             <a:pPr marL="742950" lvl="1" indent="-285750">
               <a:buFont typeface="Arial" panose="020B0604020202020204" pitchFamily="34" charset="0"/>
               <a:buChar char="•"/>
             </a:pPr>
-            <a:endParaRPr lang="pt-BR" dirty="0"/>
+            <a:endParaRPr lang="pt-BR" u="sng" dirty="0"/>
           </a:p>
           <a:p>
             <a:pPr marL="285750" indent="-285750">
               <a:buFont typeface="Arial" panose="020B0604020202020204" pitchFamily="34" charset="0"/>
               <a:buChar char="•"/>
             </a:pPr>
-            <a:endParaRPr lang="pt-BR" dirty="0"/>
+            <a:endParaRPr lang="pt-BR" u="sng" dirty="0"/>
           </a:p>
           <a:p>
             <a:pPr marL="285750" indent="-285750">
               <a:buFont typeface="Arial" panose="020B0604020202020204" pitchFamily="34" charset="0"/>
               <a:buChar char="•"/>
             </a:pPr>
-            <a:endParaRPr lang="pt-BR" dirty="0"/>
+            <a:endParaRPr lang="pt-BR" u="sng" dirty="0"/>
           </a:p>
           <a:p>
             <a:pPr marL="285750" indent="-285750">
               <a:buFont typeface="Arial" panose="020B0604020202020204" pitchFamily="34" charset="0"/>
               <a:buChar char="•"/>
             </a:pPr>
-            <a:endParaRPr lang="pt-BR" dirty="0"/>
-          </a:p>
-          <a:p>
-            <a:endParaRPr lang="pt-BR" dirty="0"/>
+            <a:endParaRPr lang="pt-BR" u="sng" dirty="0"/>
+          </a:p>
+          <a:p>
+            <a:endParaRPr lang="pt-BR" u="sng" dirty="0"/>
           </a:p>
         </p:txBody>
       </p:sp>
